--- a/Domain Adaptation.pptx
+++ b/Domain Adaptation.pptx
@@ -4,11 +4,18 @@
   <p:sldMasterIdLst>
     <p:sldMasterId id="2147483672" r:id="rId1"/>
   </p:sldMasterIdLst>
+  <p:notesMasterIdLst>
+    <p:notesMasterId r:id="rId10"/>
+  </p:notesMasterIdLst>
   <p:sldIdLst>
     <p:sldId id="256" r:id="rId2"/>
     <p:sldId id="257" r:id="rId3"/>
     <p:sldId id="258" r:id="rId4"/>
     <p:sldId id="259" r:id="rId5"/>
+    <p:sldId id="260" r:id="rId6"/>
+    <p:sldId id="263" r:id="rId7"/>
+    <p:sldId id="261" r:id="rId8"/>
+    <p:sldId id="262" r:id="rId9"/>
   </p:sldIdLst>
   <p:sldSz cx="12192000" cy="6858000"/>
   <p:notesSz cx="6858000" cy="9144000"/>
@@ -107,7 +114,680 @@
       </a:defRPr>
     </a:lvl9pPr>
   </p:defaultTextStyle>
+  <p:extLst>
+    <p:ext uri="{EFAFB233-063F-42B5-8137-9DF3F51BA10A}">
+      <p15:sldGuideLst xmlns:p15="http://schemas.microsoft.com/office/powerpoint/2012/main"/>
+    </p:ext>
+  </p:extLst>
 </p:presentation>
+</file>
+
+<file path=ppt/notesMasters/notesMaster1.xml><?xml version="1.0" encoding="utf-8"?>
+<p:notesMaster xmlns:a="http://schemas.openxmlformats.org/drawingml/2006/main" xmlns:r="http://schemas.openxmlformats.org/officeDocument/2006/relationships" xmlns:p="http://schemas.openxmlformats.org/presentationml/2006/main">
+  <p:cSld>
+    <p:bg>
+      <p:bgRef idx="1001">
+        <a:schemeClr val="bg1"/>
+      </p:bgRef>
+    </p:bg>
+    <p:spTree>
+      <p:nvGrpSpPr>
+        <p:cNvPr id="1" name=""/>
+        <p:cNvGrpSpPr/>
+        <p:nvPr/>
+      </p:nvGrpSpPr>
+      <p:grpSpPr>
+        <a:xfrm>
+          <a:off x="0" y="0"/>
+          <a:ext cx="0" cy="0"/>
+          <a:chOff x="0" y="0"/>
+          <a:chExt cx="0" cy="0"/>
+        </a:xfrm>
+      </p:grpSpPr>
+      <p:sp>
+        <p:nvSpPr>
+          <p:cNvPr id="2" name="Header Placeholder 1"/>
+          <p:cNvSpPr>
+            <a:spLocks noGrp="1"/>
+          </p:cNvSpPr>
+          <p:nvPr>
+            <p:ph type="hdr" sz="quarter"/>
+          </p:nvPr>
+        </p:nvSpPr>
+        <p:spPr>
+          <a:xfrm>
+            <a:off x="0" y="0"/>
+            <a:ext cx="2971800" cy="458788"/>
+          </a:xfrm>
+          <a:prstGeom prst="rect">
+            <a:avLst/>
+          </a:prstGeom>
+        </p:spPr>
+        <p:txBody>
+          <a:bodyPr vert="horz" lIns="91440" tIns="45720" rIns="91440" bIns="45720" rtlCol="0"/>
+          <a:lstStyle>
+            <a:lvl1pPr algn="l">
+              <a:defRPr sz="1200"/>
+            </a:lvl1pPr>
+          </a:lstStyle>
+          <a:p>
+            <a:endParaRPr lang="en-GB" dirty="0"/>
+          </a:p>
+        </p:txBody>
+      </p:sp>
+      <p:sp>
+        <p:nvSpPr>
+          <p:cNvPr id="3" name="Date Placeholder 2"/>
+          <p:cNvSpPr>
+            <a:spLocks noGrp="1"/>
+          </p:cNvSpPr>
+          <p:nvPr>
+            <p:ph type="dt" idx="1"/>
+          </p:nvPr>
+        </p:nvSpPr>
+        <p:spPr>
+          <a:xfrm>
+            <a:off x="3884613" y="0"/>
+            <a:ext cx="2971800" cy="458788"/>
+          </a:xfrm>
+          <a:prstGeom prst="rect">
+            <a:avLst/>
+          </a:prstGeom>
+        </p:spPr>
+        <p:txBody>
+          <a:bodyPr vert="horz" lIns="91440" tIns="45720" rIns="91440" bIns="45720" rtlCol="0"/>
+          <a:lstStyle>
+            <a:lvl1pPr algn="r">
+              <a:defRPr sz="1200"/>
+            </a:lvl1pPr>
+          </a:lstStyle>
+          <a:p>
+            <a:fld id="{13AEA9A1-FD8B-461B-B3BA-25CD907B81F8}" type="datetimeFigureOut">
+              <a:rPr lang="en-GB" smtClean="0"/>
+              <a:t>19/11/2023</a:t>
+            </a:fld>
+            <a:endParaRPr lang="en-GB" dirty="0"/>
+          </a:p>
+        </p:txBody>
+      </p:sp>
+      <p:sp>
+        <p:nvSpPr>
+          <p:cNvPr id="4" name="Slide Image Placeholder 3"/>
+          <p:cNvSpPr>
+            <a:spLocks noGrp="1" noRot="1" noChangeAspect="1"/>
+          </p:cNvSpPr>
+          <p:nvPr>
+            <p:ph type="sldImg" idx="2"/>
+          </p:nvPr>
+        </p:nvSpPr>
+        <p:spPr>
+          <a:xfrm>
+            <a:off x="685800" y="1143000"/>
+            <a:ext cx="5486400" cy="3086100"/>
+          </a:xfrm>
+          <a:prstGeom prst="rect">
+            <a:avLst/>
+          </a:prstGeom>
+          <a:noFill/>
+          <a:ln w="12700">
+            <a:solidFill>
+              <a:prstClr val="black"/>
+            </a:solidFill>
+          </a:ln>
+        </p:spPr>
+        <p:txBody>
+          <a:bodyPr vert="horz" lIns="91440" tIns="45720" rIns="91440" bIns="45720" rtlCol="0" anchor="ctr"/>
+          <a:lstStyle/>
+          <a:p>
+            <a:endParaRPr lang="en-GB" dirty="0"/>
+          </a:p>
+        </p:txBody>
+      </p:sp>
+      <p:sp>
+        <p:nvSpPr>
+          <p:cNvPr id="5" name="Notes Placeholder 4"/>
+          <p:cNvSpPr>
+            <a:spLocks noGrp="1"/>
+          </p:cNvSpPr>
+          <p:nvPr>
+            <p:ph type="body" sz="quarter" idx="3"/>
+          </p:nvPr>
+        </p:nvSpPr>
+        <p:spPr>
+          <a:xfrm>
+            <a:off x="685800" y="4400550"/>
+            <a:ext cx="5486400" cy="3600450"/>
+          </a:xfrm>
+          <a:prstGeom prst="rect">
+            <a:avLst/>
+          </a:prstGeom>
+        </p:spPr>
+        <p:txBody>
+          <a:bodyPr vert="horz" lIns="91440" tIns="45720" rIns="91440" bIns="45720" rtlCol="0"/>
+          <a:lstStyle/>
+          <a:p>
+            <a:pPr lvl="0"/>
+            <a:r>
+              <a:rPr lang="en-US"/>
+              <a:t>Click to edit Master text styles</a:t>
+            </a:r>
+          </a:p>
+          <a:p>
+            <a:pPr lvl="1"/>
+            <a:r>
+              <a:rPr lang="en-US"/>
+              <a:t>Second level</a:t>
+            </a:r>
+          </a:p>
+          <a:p>
+            <a:pPr lvl="2"/>
+            <a:r>
+              <a:rPr lang="en-US"/>
+              <a:t>Third level</a:t>
+            </a:r>
+          </a:p>
+          <a:p>
+            <a:pPr lvl="3"/>
+            <a:r>
+              <a:rPr lang="en-US"/>
+              <a:t>Fourth level</a:t>
+            </a:r>
+          </a:p>
+          <a:p>
+            <a:pPr lvl="4"/>
+            <a:r>
+              <a:rPr lang="en-US"/>
+              <a:t>Fifth level</a:t>
+            </a:r>
+            <a:endParaRPr lang="en-GB"/>
+          </a:p>
+        </p:txBody>
+      </p:sp>
+      <p:sp>
+        <p:nvSpPr>
+          <p:cNvPr id="6" name="Footer Placeholder 5"/>
+          <p:cNvSpPr>
+            <a:spLocks noGrp="1"/>
+          </p:cNvSpPr>
+          <p:nvPr>
+            <p:ph type="ftr" sz="quarter" idx="4"/>
+          </p:nvPr>
+        </p:nvSpPr>
+        <p:spPr>
+          <a:xfrm>
+            <a:off x="0" y="8685213"/>
+            <a:ext cx="2971800" cy="458787"/>
+          </a:xfrm>
+          <a:prstGeom prst="rect">
+            <a:avLst/>
+          </a:prstGeom>
+        </p:spPr>
+        <p:txBody>
+          <a:bodyPr vert="horz" lIns="91440" tIns="45720" rIns="91440" bIns="45720" rtlCol="0" anchor="b"/>
+          <a:lstStyle>
+            <a:lvl1pPr algn="l">
+              <a:defRPr sz="1200"/>
+            </a:lvl1pPr>
+          </a:lstStyle>
+          <a:p>
+            <a:endParaRPr lang="en-GB" dirty="0"/>
+          </a:p>
+        </p:txBody>
+      </p:sp>
+      <p:sp>
+        <p:nvSpPr>
+          <p:cNvPr id="7" name="Slide Number Placeholder 6"/>
+          <p:cNvSpPr>
+            <a:spLocks noGrp="1"/>
+          </p:cNvSpPr>
+          <p:nvPr>
+            <p:ph type="sldNum" sz="quarter" idx="5"/>
+          </p:nvPr>
+        </p:nvSpPr>
+        <p:spPr>
+          <a:xfrm>
+            <a:off x="3884613" y="8685213"/>
+            <a:ext cx="2971800" cy="458787"/>
+          </a:xfrm>
+          <a:prstGeom prst="rect">
+            <a:avLst/>
+          </a:prstGeom>
+        </p:spPr>
+        <p:txBody>
+          <a:bodyPr vert="horz" lIns="91440" tIns="45720" rIns="91440" bIns="45720" rtlCol="0" anchor="b"/>
+          <a:lstStyle>
+            <a:lvl1pPr algn="r">
+              <a:defRPr sz="1200"/>
+            </a:lvl1pPr>
+          </a:lstStyle>
+          <a:p>
+            <a:fld id="{75F60D10-2E0C-408C-B18C-225E81C16D9A}" type="slidenum">
+              <a:rPr lang="en-GB" smtClean="0"/>
+              <a:t>‹#›</a:t>
+            </a:fld>
+            <a:endParaRPr lang="en-GB" dirty="0"/>
+          </a:p>
+        </p:txBody>
+      </p:sp>
+    </p:spTree>
+    <p:extLst>
+      <p:ext uri="{BB962C8B-B14F-4D97-AF65-F5344CB8AC3E}">
+        <p14:creationId xmlns:p14="http://schemas.microsoft.com/office/powerpoint/2010/main" val="1043660455"/>
+      </p:ext>
+    </p:extLst>
+  </p:cSld>
+  <p:clrMap bg1="lt1" tx1="dk1" bg2="lt2" tx2="dk2" accent1="accent1" accent2="accent2" accent3="accent3" accent4="accent4" accent5="accent5" accent6="accent6" hlink="hlink" folHlink="folHlink"/>
+  <p:notesStyle>
+    <a:lvl1pPr marL="0" algn="l" defTabSz="914400" rtl="0" eaLnBrk="1" latinLnBrk="0" hangingPunct="1">
+      <a:defRPr sz="1200" kern="1200">
+        <a:solidFill>
+          <a:schemeClr val="tx1"/>
+        </a:solidFill>
+        <a:latin typeface="+mn-lt"/>
+        <a:ea typeface="+mn-ea"/>
+        <a:cs typeface="+mn-cs"/>
+      </a:defRPr>
+    </a:lvl1pPr>
+    <a:lvl2pPr marL="457200" algn="l" defTabSz="914400" rtl="0" eaLnBrk="1" latinLnBrk="0" hangingPunct="1">
+      <a:defRPr sz="1200" kern="1200">
+        <a:solidFill>
+          <a:schemeClr val="tx1"/>
+        </a:solidFill>
+        <a:latin typeface="+mn-lt"/>
+        <a:ea typeface="+mn-ea"/>
+        <a:cs typeface="+mn-cs"/>
+      </a:defRPr>
+    </a:lvl2pPr>
+    <a:lvl3pPr marL="914400" algn="l" defTabSz="914400" rtl="0" eaLnBrk="1" latinLnBrk="0" hangingPunct="1">
+      <a:defRPr sz="1200" kern="1200">
+        <a:solidFill>
+          <a:schemeClr val="tx1"/>
+        </a:solidFill>
+        <a:latin typeface="+mn-lt"/>
+        <a:ea typeface="+mn-ea"/>
+        <a:cs typeface="+mn-cs"/>
+      </a:defRPr>
+    </a:lvl3pPr>
+    <a:lvl4pPr marL="1371600" algn="l" defTabSz="914400" rtl="0" eaLnBrk="1" latinLnBrk="0" hangingPunct="1">
+      <a:defRPr sz="1200" kern="1200">
+        <a:solidFill>
+          <a:schemeClr val="tx1"/>
+        </a:solidFill>
+        <a:latin typeface="+mn-lt"/>
+        <a:ea typeface="+mn-ea"/>
+        <a:cs typeface="+mn-cs"/>
+      </a:defRPr>
+    </a:lvl4pPr>
+    <a:lvl5pPr marL="1828800" algn="l" defTabSz="914400" rtl="0" eaLnBrk="1" latinLnBrk="0" hangingPunct="1">
+      <a:defRPr sz="1200" kern="1200">
+        <a:solidFill>
+          <a:schemeClr val="tx1"/>
+        </a:solidFill>
+        <a:latin typeface="+mn-lt"/>
+        <a:ea typeface="+mn-ea"/>
+        <a:cs typeface="+mn-cs"/>
+      </a:defRPr>
+    </a:lvl5pPr>
+    <a:lvl6pPr marL="2286000" algn="l" defTabSz="914400" rtl="0" eaLnBrk="1" latinLnBrk="0" hangingPunct="1">
+      <a:defRPr sz="1200" kern="1200">
+        <a:solidFill>
+          <a:schemeClr val="tx1"/>
+        </a:solidFill>
+        <a:latin typeface="+mn-lt"/>
+        <a:ea typeface="+mn-ea"/>
+        <a:cs typeface="+mn-cs"/>
+      </a:defRPr>
+    </a:lvl6pPr>
+    <a:lvl7pPr marL="2743200" algn="l" defTabSz="914400" rtl="0" eaLnBrk="1" latinLnBrk="0" hangingPunct="1">
+      <a:defRPr sz="1200" kern="1200">
+        <a:solidFill>
+          <a:schemeClr val="tx1"/>
+        </a:solidFill>
+        <a:latin typeface="+mn-lt"/>
+        <a:ea typeface="+mn-ea"/>
+        <a:cs typeface="+mn-cs"/>
+      </a:defRPr>
+    </a:lvl7pPr>
+    <a:lvl8pPr marL="3200400" algn="l" defTabSz="914400" rtl="0" eaLnBrk="1" latinLnBrk="0" hangingPunct="1">
+      <a:defRPr sz="1200" kern="1200">
+        <a:solidFill>
+          <a:schemeClr val="tx1"/>
+        </a:solidFill>
+        <a:latin typeface="+mn-lt"/>
+        <a:ea typeface="+mn-ea"/>
+        <a:cs typeface="+mn-cs"/>
+      </a:defRPr>
+    </a:lvl8pPr>
+    <a:lvl9pPr marL="3657600" algn="l" defTabSz="914400" rtl="0" eaLnBrk="1" latinLnBrk="0" hangingPunct="1">
+      <a:defRPr sz="1200" kern="1200">
+        <a:solidFill>
+          <a:schemeClr val="tx1"/>
+        </a:solidFill>
+        <a:latin typeface="+mn-lt"/>
+        <a:ea typeface="+mn-ea"/>
+        <a:cs typeface="+mn-cs"/>
+      </a:defRPr>
+    </a:lvl9pPr>
+  </p:notesStyle>
+</p:notesMaster>
+</file>
+
+<file path=ppt/notesSlides/notesSlide1.xml><?xml version="1.0" encoding="utf-8"?>
+<p:notes xmlns:a="http://schemas.openxmlformats.org/drawingml/2006/main" xmlns:r="http://schemas.openxmlformats.org/officeDocument/2006/relationships" xmlns:p="http://schemas.openxmlformats.org/presentationml/2006/main">
+  <p:cSld>
+    <p:spTree>
+      <p:nvGrpSpPr>
+        <p:cNvPr id="1" name=""/>
+        <p:cNvGrpSpPr/>
+        <p:nvPr/>
+      </p:nvGrpSpPr>
+      <p:grpSpPr>
+        <a:xfrm>
+          <a:off x="0" y="0"/>
+          <a:ext cx="0" cy="0"/>
+          <a:chOff x="0" y="0"/>
+          <a:chExt cx="0" cy="0"/>
+        </a:xfrm>
+      </p:grpSpPr>
+      <p:sp>
+        <p:nvSpPr>
+          <p:cNvPr id="2" name="Slide Image Placeholder 1"/>
+          <p:cNvSpPr>
+            <a:spLocks noGrp="1" noRot="1" noChangeAspect="1"/>
+          </p:cNvSpPr>
+          <p:nvPr>
+            <p:ph type="sldImg"/>
+          </p:nvPr>
+        </p:nvSpPr>
+        <p:spPr/>
+      </p:sp>
+      <p:sp>
+        <p:nvSpPr>
+          <p:cNvPr id="3" name="Notes Placeholder 2"/>
+          <p:cNvSpPr>
+            <a:spLocks noGrp="1"/>
+          </p:cNvSpPr>
+          <p:nvPr>
+            <p:ph type="body" idx="1"/>
+          </p:nvPr>
+        </p:nvSpPr>
+        <p:spPr/>
+        <p:txBody>
+          <a:bodyPr/>
+          <a:lstStyle/>
+          <a:p>
+            <a:r>
+              <a:rPr lang="en-GB" noProof="0" dirty="0"/>
+              <a:t>Classifier</a:t>
+            </a:r>
+            <a:r>
+              <a:rPr lang="sk-SK" noProof="0" dirty="0"/>
+              <a:t>, ktorý je natrénovaný na source moc nerieši – nevšíma si oblasť, kde je má target </a:t>
+            </a:r>
+            <a:r>
+              <a:rPr lang="sk-SK" noProof="0" dirty="0" err="1"/>
+              <a:t>peak</a:t>
+            </a:r>
+            <a:r>
+              <a:rPr lang="sk-SK" noProof="0" dirty="0"/>
+              <a:t>.</a:t>
+            </a:r>
+            <a:endParaRPr lang="en-GB" noProof="0" dirty="0"/>
+          </a:p>
+          <a:p>
+            <a:r>
+              <a:rPr lang="en-GB" noProof="0" dirty="0" err="1"/>
+              <a:t>Pr</a:t>
+            </a:r>
+            <a:r>
+              <a:rPr lang="sk-SK" noProof="0" dirty="0" err="1"/>
+              <a:t>íklad</a:t>
+            </a:r>
+            <a:r>
+              <a:rPr lang="sk-SK" noProof="0" dirty="0"/>
+              <a:t> – nejaký </a:t>
+            </a:r>
+            <a:r>
+              <a:rPr lang="sk-SK" noProof="0" dirty="0" err="1"/>
+              <a:t>language</a:t>
+            </a:r>
+            <a:r>
+              <a:rPr lang="sk-SK" noProof="0" dirty="0"/>
+              <a:t> </a:t>
+            </a:r>
+            <a:r>
+              <a:rPr lang="sk-SK" noProof="0" dirty="0" err="1"/>
+              <a:t>detection</a:t>
+            </a:r>
+            <a:r>
+              <a:rPr lang="sk-SK" noProof="0" dirty="0"/>
+              <a:t> na Wiki a potom </a:t>
+            </a:r>
+            <a:r>
+              <a:rPr lang="sk-SK" noProof="0" dirty="0" err="1"/>
+              <a:t>arXiv</a:t>
+            </a:r>
+            <a:r>
+              <a:rPr lang="sk-SK" noProof="0" dirty="0"/>
+              <a:t>, nemocnice by nefungovali pretože tie obrázky by boli natoľko rôzne, že by to nebolo dobré</a:t>
+            </a:r>
+          </a:p>
+        </p:txBody>
+      </p:sp>
+      <p:sp>
+        <p:nvSpPr>
+          <p:cNvPr id="4" name="Slide Number Placeholder 3"/>
+          <p:cNvSpPr>
+            <a:spLocks noGrp="1"/>
+          </p:cNvSpPr>
+          <p:nvPr>
+            <p:ph type="sldNum" sz="quarter" idx="5"/>
+          </p:nvPr>
+        </p:nvSpPr>
+        <p:spPr/>
+        <p:txBody>
+          <a:bodyPr/>
+          <a:lstStyle/>
+          <a:p>
+            <a:fld id="{75F60D10-2E0C-408C-B18C-225E81C16D9A}" type="slidenum">
+              <a:rPr lang="en-GB" smtClean="0"/>
+              <a:t>5</a:t>
+            </a:fld>
+            <a:endParaRPr lang="en-GB" dirty="0"/>
+          </a:p>
+        </p:txBody>
+      </p:sp>
+    </p:spTree>
+    <p:extLst>
+      <p:ext uri="{BB962C8B-B14F-4D97-AF65-F5344CB8AC3E}">
+        <p14:creationId xmlns:p14="http://schemas.microsoft.com/office/powerpoint/2010/main" val="1668320038"/>
+      </p:ext>
+    </p:extLst>
+  </p:cSld>
+  <p:clrMapOvr>
+    <a:masterClrMapping/>
+  </p:clrMapOvr>
+</p:notes>
+</file>
+
+<file path=ppt/notesSlides/notesSlide2.xml><?xml version="1.0" encoding="utf-8"?>
+<p:notes xmlns:a="http://schemas.openxmlformats.org/drawingml/2006/main" xmlns:r="http://schemas.openxmlformats.org/officeDocument/2006/relationships" xmlns:p="http://schemas.openxmlformats.org/presentationml/2006/main">
+  <p:cSld>
+    <p:spTree>
+      <p:nvGrpSpPr>
+        <p:cNvPr id="1" name=""/>
+        <p:cNvGrpSpPr/>
+        <p:nvPr/>
+      </p:nvGrpSpPr>
+      <p:grpSpPr>
+        <a:xfrm>
+          <a:off x="0" y="0"/>
+          <a:ext cx="0" cy="0"/>
+          <a:chOff x="0" y="0"/>
+          <a:chExt cx="0" cy="0"/>
+        </a:xfrm>
+      </p:grpSpPr>
+      <p:sp>
+        <p:nvSpPr>
+          <p:cNvPr id="2" name="Slide Image Placeholder 1"/>
+          <p:cNvSpPr>
+            <a:spLocks noGrp="1" noRot="1" noChangeAspect="1"/>
+          </p:cNvSpPr>
+          <p:nvPr>
+            <p:ph type="sldImg"/>
+          </p:nvPr>
+        </p:nvSpPr>
+        <p:spPr/>
+      </p:sp>
+      <p:sp>
+        <p:nvSpPr>
+          <p:cNvPr id="3" name="Notes Placeholder 2"/>
+          <p:cNvSpPr>
+            <a:spLocks noGrp="1"/>
+          </p:cNvSpPr>
+          <p:nvPr>
+            <p:ph type="body" idx="1"/>
+          </p:nvPr>
+        </p:nvSpPr>
+        <p:spPr/>
+        <p:txBody>
+          <a:bodyPr/>
+          <a:lstStyle/>
+          <a:p>
+            <a:r>
+              <a:rPr lang="sk-SK" dirty="0" err="1"/>
+              <a:t>Population</a:t>
+            </a:r>
+            <a:r>
+              <a:rPr lang="sk-SK" dirty="0"/>
+              <a:t> – level – </a:t>
+            </a:r>
+            <a:r>
+              <a:rPr lang="sk-SK" dirty="0" err="1"/>
+              <a:t>matchovanie</a:t>
+            </a:r>
+            <a:r>
+              <a:rPr lang="sk-SK" dirty="0"/>
+              <a:t> na úrovni skupín, nie jednotlivých dát (čísla)</a:t>
+            </a:r>
+          </a:p>
+          <a:p>
+            <a:r>
+              <a:rPr lang="sk-SK" dirty="0"/>
+              <a:t>Použitie </a:t>
+            </a:r>
+            <a:r>
+              <a:rPr lang="sk-SK" dirty="0" err="1"/>
+              <a:t>discriminatoru</a:t>
+            </a:r>
+            <a:r>
+              <a:rPr lang="sk-SK" dirty="0"/>
+              <a:t> a </a:t>
+            </a:r>
+            <a:r>
+              <a:rPr lang="sk-SK" dirty="0" err="1"/>
+              <a:t>classifieru</a:t>
+            </a:r>
+            <a:r>
+              <a:rPr lang="sk-SK" dirty="0"/>
+              <a:t>, </a:t>
+            </a:r>
+            <a:r>
+              <a:rPr lang="sk-SK" dirty="0" err="1"/>
+              <a:t>zero</a:t>
+            </a:r>
+            <a:r>
+              <a:rPr lang="sk-SK" dirty="0"/>
+              <a:t> </a:t>
+            </a:r>
+            <a:r>
+              <a:rPr lang="sk-SK" dirty="0" err="1"/>
+              <a:t>sum</a:t>
+            </a:r>
+            <a:r>
+              <a:rPr lang="sk-SK" dirty="0"/>
+              <a:t> game</a:t>
+            </a:r>
+          </a:p>
+          <a:p>
+            <a:r>
+              <a:rPr lang="sk-SK" dirty="0" err="1"/>
+              <a:t>Adversial</a:t>
+            </a:r>
+            <a:r>
+              <a:rPr lang="sk-SK" dirty="0"/>
+              <a:t> </a:t>
+            </a:r>
+            <a:r>
+              <a:rPr lang="sk-SK" dirty="0" err="1"/>
+              <a:t>training</a:t>
+            </a:r>
+            <a:r>
+              <a:rPr lang="sk-SK" dirty="0"/>
+              <a:t> – </a:t>
+            </a:r>
+            <a:r>
+              <a:rPr lang="sk-SK" dirty="0" err="1"/>
+              <a:t>GANs</a:t>
+            </a:r>
+            <a:r>
+              <a:rPr lang="sk-SK" dirty="0"/>
+              <a:t>, </a:t>
+            </a:r>
+            <a:r>
+              <a:rPr lang="sk-SK" dirty="0" err="1"/>
+              <a:t>optimize</a:t>
+            </a:r>
+            <a:r>
+              <a:rPr lang="sk-SK" dirty="0"/>
+              <a:t> </a:t>
+            </a:r>
+            <a:r>
+              <a:rPr lang="sk-SK" dirty="0" err="1"/>
+              <a:t>for</a:t>
+            </a:r>
+            <a:r>
+              <a:rPr lang="sk-SK" dirty="0"/>
+              <a:t> 50/50</a:t>
+            </a:r>
+            <a:endParaRPr lang="en-GB" dirty="0"/>
+          </a:p>
+        </p:txBody>
+      </p:sp>
+      <p:sp>
+        <p:nvSpPr>
+          <p:cNvPr id="4" name="Slide Number Placeholder 3"/>
+          <p:cNvSpPr>
+            <a:spLocks noGrp="1"/>
+          </p:cNvSpPr>
+          <p:nvPr>
+            <p:ph type="sldNum" sz="quarter" idx="5"/>
+          </p:nvPr>
+        </p:nvSpPr>
+        <p:spPr/>
+        <p:txBody>
+          <a:bodyPr/>
+          <a:lstStyle/>
+          <a:p>
+            <a:fld id="{75F60D10-2E0C-408C-B18C-225E81C16D9A}" type="slidenum">
+              <a:rPr lang="en-GB" smtClean="0"/>
+              <a:t>7</a:t>
+            </a:fld>
+            <a:endParaRPr lang="en-GB" dirty="0"/>
+          </a:p>
+        </p:txBody>
+      </p:sp>
+    </p:spTree>
+    <p:extLst>
+      <p:ext uri="{BB962C8B-B14F-4D97-AF65-F5344CB8AC3E}">
+        <p14:creationId xmlns:p14="http://schemas.microsoft.com/office/powerpoint/2010/main" val="225320109"/>
+      </p:ext>
+    </p:extLst>
+  </p:cSld>
+  <p:clrMapOvr>
+    <a:masterClrMapping/>
+  </p:clrMapOvr>
+</p:notes>
 </file>
 
 <file path=ppt/slideLayouts/slideLayout1.xml><?xml version="1.0" encoding="utf-8"?>
@@ -241,9 +921,9 @@
           <a:p>
             <a:fld id="{8DF706D5-44A5-4BCA-AF05-8C90940B3419}" type="datetimeFigureOut">
               <a:rPr lang="en-GB" smtClean="0"/>
-              <a:t>17/11/2023</a:t>
+              <a:t>19/11/2023</a:t>
             </a:fld>
-            <a:endParaRPr lang="en-GB"/>
+            <a:endParaRPr lang="en-GB" dirty="0"/>
           </a:p>
         </p:txBody>
       </p:sp>
@@ -262,7 +942,7 @@
           <a:bodyPr/>
           <a:lstStyle/>
           <a:p>
-            <a:endParaRPr lang="en-GB"/>
+            <a:endParaRPr lang="en-GB" dirty="0"/>
           </a:p>
         </p:txBody>
       </p:sp>
@@ -285,7 +965,7 @@
               <a:rPr lang="en-GB" smtClean="0"/>
               <a:t>‹#›</a:t>
             </a:fld>
-            <a:endParaRPr lang="en-GB"/>
+            <a:endParaRPr lang="en-GB" dirty="0"/>
           </a:p>
         </p:txBody>
       </p:sp>
@@ -411,9 +1091,9 @@
           <a:p>
             <a:fld id="{8DF706D5-44A5-4BCA-AF05-8C90940B3419}" type="datetimeFigureOut">
               <a:rPr lang="en-GB" smtClean="0"/>
-              <a:t>17/11/2023</a:t>
+              <a:t>19/11/2023</a:t>
             </a:fld>
-            <a:endParaRPr lang="en-GB"/>
+            <a:endParaRPr lang="en-GB" dirty="0"/>
           </a:p>
         </p:txBody>
       </p:sp>
@@ -432,7 +1112,7 @@
           <a:bodyPr/>
           <a:lstStyle/>
           <a:p>
-            <a:endParaRPr lang="en-GB"/>
+            <a:endParaRPr lang="en-GB" dirty="0"/>
           </a:p>
         </p:txBody>
       </p:sp>
@@ -455,7 +1135,7 @@
               <a:rPr lang="en-GB" smtClean="0"/>
               <a:t>‹#›</a:t>
             </a:fld>
-            <a:endParaRPr lang="en-GB"/>
+            <a:endParaRPr lang="en-GB" dirty="0"/>
           </a:p>
         </p:txBody>
       </p:sp>
@@ -591,9 +1271,9 @@
           <a:p>
             <a:fld id="{8DF706D5-44A5-4BCA-AF05-8C90940B3419}" type="datetimeFigureOut">
               <a:rPr lang="en-GB" smtClean="0"/>
-              <a:t>17/11/2023</a:t>
+              <a:t>19/11/2023</a:t>
             </a:fld>
-            <a:endParaRPr lang="en-GB"/>
+            <a:endParaRPr lang="en-GB" dirty="0"/>
           </a:p>
         </p:txBody>
       </p:sp>
@@ -612,7 +1292,7 @@
           <a:bodyPr/>
           <a:lstStyle/>
           <a:p>
-            <a:endParaRPr lang="en-GB"/>
+            <a:endParaRPr lang="en-GB" dirty="0"/>
           </a:p>
         </p:txBody>
       </p:sp>
@@ -635,7 +1315,7 @@
               <a:rPr lang="en-GB" smtClean="0"/>
               <a:t>‹#›</a:t>
             </a:fld>
-            <a:endParaRPr lang="en-GB"/>
+            <a:endParaRPr lang="en-GB" dirty="0"/>
           </a:p>
         </p:txBody>
       </p:sp>
@@ -761,9 +1441,9 @@
           <a:p>
             <a:fld id="{8DF706D5-44A5-4BCA-AF05-8C90940B3419}" type="datetimeFigureOut">
               <a:rPr lang="en-GB" smtClean="0"/>
-              <a:t>17/11/2023</a:t>
+              <a:t>19/11/2023</a:t>
             </a:fld>
-            <a:endParaRPr lang="en-GB"/>
+            <a:endParaRPr lang="en-GB" dirty="0"/>
           </a:p>
         </p:txBody>
       </p:sp>
@@ -782,7 +1462,7 @@
           <a:bodyPr/>
           <a:lstStyle/>
           <a:p>
-            <a:endParaRPr lang="en-GB"/>
+            <a:endParaRPr lang="en-GB" dirty="0"/>
           </a:p>
         </p:txBody>
       </p:sp>
@@ -805,7 +1485,7 @@
               <a:rPr lang="en-GB" smtClean="0"/>
               <a:t>‹#›</a:t>
             </a:fld>
-            <a:endParaRPr lang="en-GB"/>
+            <a:endParaRPr lang="en-GB" dirty="0"/>
           </a:p>
         </p:txBody>
       </p:sp>
@@ -1007,9 +1687,9 @@
           <a:p>
             <a:fld id="{8DF706D5-44A5-4BCA-AF05-8C90940B3419}" type="datetimeFigureOut">
               <a:rPr lang="en-GB" smtClean="0"/>
-              <a:t>17/11/2023</a:t>
+              <a:t>19/11/2023</a:t>
             </a:fld>
-            <a:endParaRPr lang="en-GB"/>
+            <a:endParaRPr lang="en-GB" dirty="0"/>
           </a:p>
         </p:txBody>
       </p:sp>
@@ -1028,7 +1708,7 @@
           <a:bodyPr/>
           <a:lstStyle/>
           <a:p>
-            <a:endParaRPr lang="en-GB"/>
+            <a:endParaRPr lang="en-GB" dirty="0"/>
           </a:p>
         </p:txBody>
       </p:sp>
@@ -1051,7 +1731,7 @@
               <a:rPr lang="en-GB" smtClean="0"/>
               <a:t>‹#›</a:t>
             </a:fld>
-            <a:endParaRPr lang="en-GB"/>
+            <a:endParaRPr lang="en-GB" dirty="0"/>
           </a:p>
         </p:txBody>
       </p:sp>
@@ -1239,9 +1919,9 @@
           <a:p>
             <a:fld id="{8DF706D5-44A5-4BCA-AF05-8C90940B3419}" type="datetimeFigureOut">
               <a:rPr lang="en-GB" smtClean="0"/>
-              <a:t>17/11/2023</a:t>
+              <a:t>19/11/2023</a:t>
             </a:fld>
-            <a:endParaRPr lang="en-GB"/>
+            <a:endParaRPr lang="en-GB" dirty="0"/>
           </a:p>
         </p:txBody>
       </p:sp>
@@ -1260,7 +1940,7 @@
           <a:bodyPr/>
           <a:lstStyle/>
           <a:p>
-            <a:endParaRPr lang="en-GB"/>
+            <a:endParaRPr lang="en-GB" dirty="0"/>
           </a:p>
         </p:txBody>
       </p:sp>
@@ -1283,7 +1963,7 @@
               <a:rPr lang="en-GB" smtClean="0"/>
               <a:t>‹#›</a:t>
             </a:fld>
-            <a:endParaRPr lang="en-GB"/>
+            <a:endParaRPr lang="en-GB" dirty="0"/>
           </a:p>
         </p:txBody>
       </p:sp>
@@ -1606,9 +2286,9 @@
           <a:p>
             <a:fld id="{8DF706D5-44A5-4BCA-AF05-8C90940B3419}" type="datetimeFigureOut">
               <a:rPr lang="en-GB" smtClean="0"/>
-              <a:t>17/11/2023</a:t>
+              <a:t>19/11/2023</a:t>
             </a:fld>
-            <a:endParaRPr lang="en-GB"/>
+            <a:endParaRPr lang="en-GB" dirty="0"/>
           </a:p>
         </p:txBody>
       </p:sp>
@@ -1627,7 +2307,7 @@
           <a:bodyPr/>
           <a:lstStyle/>
           <a:p>
-            <a:endParaRPr lang="en-GB"/>
+            <a:endParaRPr lang="en-GB" dirty="0"/>
           </a:p>
         </p:txBody>
       </p:sp>
@@ -1650,7 +2330,7 @@
               <a:rPr lang="en-GB" smtClean="0"/>
               <a:t>‹#›</a:t>
             </a:fld>
-            <a:endParaRPr lang="en-GB"/>
+            <a:endParaRPr lang="en-GB" dirty="0"/>
           </a:p>
         </p:txBody>
       </p:sp>
@@ -1724,9 +2404,9 @@
           <a:p>
             <a:fld id="{8DF706D5-44A5-4BCA-AF05-8C90940B3419}" type="datetimeFigureOut">
               <a:rPr lang="en-GB" smtClean="0"/>
-              <a:t>17/11/2023</a:t>
+              <a:t>19/11/2023</a:t>
             </a:fld>
-            <a:endParaRPr lang="en-GB"/>
+            <a:endParaRPr lang="en-GB" dirty="0"/>
           </a:p>
         </p:txBody>
       </p:sp>
@@ -1745,7 +2425,7 @@
           <a:bodyPr/>
           <a:lstStyle/>
           <a:p>
-            <a:endParaRPr lang="en-GB"/>
+            <a:endParaRPr lang="en-GB" dirty="0"/>
           </a:p>
         </p:txBody>
       </p:sp>
@@ -1768,7 +2448,7 @@
               <a:rPr lang="en-GB" smtClean="0"/>
               <a:t>‹#›</a:t>
             </a:fld>
-            <a:endParaRPr lang="en-GB"/>
+            <a:endParaRPr lang="en-GB" dirty="0"/>
           </a:p>
         </p:txBody>
       </p:sp>
@@ -1819,9 +2499,9 @@
           <a:p>
             <a:fld id="{8DF706D5-44A5-4BCA-AF05-8C90940B3419}" type="datetimeFigureOut">
               <a:rPr lang="en-GB" smtClean="0"/>
-              <a:t>17/11/2023</a:t>
+              <a:t>19/11/2023</a:t>
             </a:fld>
-            <a:endParaRPr lang="en-GB"/>
+            <a:endParaRPr lang="en-GB" dirty="0"/>
           </a:p>
         </p:txBody>
       </p:sp>
@@ -1840,7 +2520,7 @@
           <a:bodyPr/>
           <a:lstStyle/>
           <a:p>
-            <a:endParaRPr lang="en-GB"/>
+            <a:endParaRPr lang="en-GB" dirty="0"/>
           </a:p>
         </p:txBody>
       </p:sp>
@@ -1863,7 +2543,7 @@
               <a:rPr lang="en-GB" smtClean="0"/>
               <a:t>‹#›</a:t>
             </a:fld>
-            <a:endParaRPr lang="en-GB"/>
+            <a:endParaRPr lang="en-GB" dirty="0"/>
           </a:p>
         </p:txBody>
       </p:sp>
@@ -2096,9 +2776,9 @@
           <a:p>
             <a:fld id="{8DF706D5-44A5-4BCA-AF05-8C90940B3419}" type="datetimeFigureOut">
               <a:rPr lang="en-GB" smtClean="0"/>
-              <a:t>17/11/2023</a:t>
+              <a:t>19/11/2023</a:t>
             </a:fld>
-            <a:endParaRPr lang="en-GB"/>
+            <a:endParaRPr lang="en-GB" dirty="0"/>
           </a:p>
         </p:txBody>
       </p:sp>
@@ -2117,7 +2797,7 @@
           <a:bodyPr/>
           <a:lstStyle/>
           <a:p>
-            <a:endParaRPr lang="en-GB"/>
+            <a:endParaRPr lang="en-GB" dirty="0"/>
           </a:p>
         </p:txBody>
       </p:sp>
@@ -2140,7 +2820,7 @@
               <a:rPr lang="en-GB" smtClean="0"/>
               <a:t>‹#›</a:t>
             </a:fld>
-            <a:endParaRPr lang="en-GB"/>
+            <a:endParaRPr lang="en-GB" dirty="0"/>
           </a:p>
         </p:txBody>
       </p:sp>
@@ -2264,10 +2944,9 @@
           </a:lstStyle>
           <a:p>
             <a:r>
-              <a:rPr lang="en-US"/>
+              <a:rPr lang="en-US" dirty="0"/>
               <a:t>Click icon to add picture</a:t>
             </a:r>
-            <a:endParaRPr lang="en-US" dirty="0"/>
           </a:p>
         </p:txBody>
       </p:sp>
@@ -2353,9 +3032,9 @@
           <a:p>
             <a:fld id="{8DF706D5-44A5-4BCA-AF05-8C90940B3419}" type="datetimeFigureOut">
               <a:rPr lang="en-GB" smtClean="0"/>
-              <a:t>17/11/2023</a:t>
+              <a:t>19/11/2023</a:t>
             </a:fld>
-            <a:endParaRPr lang="en-GB"/>
+            <a:endParaRPr lang="en-GB" dirty="0"/>
           </a:p>
         </p:txBody>
       </p:sp>
@@ -2374,7 +3053,7 @@
           <a:bodyPr/>
           <a:lstStyle/>
           <a:p>
-            <a:endParaRPr lang="en-GB"/>
+            <a:endParaRPr lang="en-GB" dirty="0"/>
           </a:p>
         </p:txBody>
       </p:sp>
@@ -2397,7 +3076,7 @@
               <a:rPr lang="en-GB" smtClean="0"/>
               <a:t>‹#›</a:t>
             </a:fld>
-            <a:endParaRPr lang="en-GB"/>
+            <a:endParaRPr lang="en-GB" dirty="0"/>
           </a:p>
         </p:txBody>
       </p:sp>
@@ -2566,9 +3245,9 @@
           <a:p>
             <a:fld id="{8DF706D5-44A5-4BCA-AF05-8C90940B3419}" type="datetimeFigureOut">
               <a:rPr lang="en-GB" smtClean="0"/>
-              <a:t>17/11/2023</a:t>
+              <a:t>19/11/2023</a:t>
             </a:fld>
-            <a:endParaRPr lang="en-GB"/>
+            <a:endParaRPr lang="en-GB" dirty="0"/>
           </a:p>
         </p:txBody>
       </p:sp>
@@ -2605,7 +3284,7 @@
             </a:lvl1pPr>
           </a:lstStyle>
           <a:p>
-            <a:endParaRPr lang="en-GB"/>
+            <a:endParaRPr lang="en-GB" dirty="0"/>
           </a:p>
         </p:txBody>
       </p:sp>
@@ -2646,7 +3325,7 @@
               <a:rPr lang="en-GB" smtClean="0"/>
               <a:t>‹#›</a:t>
             </a:fld>
-            <a:endParaRPr lang="en-GB"/>
+            <a:endParaRPr lang="en-GB" dirty="0"/>
           </a:p>
         </p:txBody>
       </p:sp>
@@ -2993,18 +3672,9 @@
           <a:lstStyle/>
           <a:p>
             <a:r>
-              <a:rPr lang="sk-SK" dirty="0" err="1"/>
-              <a:t>Domain</a:t>
-            </a:r>
-            <a:r>
-              <a:rPr lang="sk-SK" dirty="0"/>
-              <a:t> </a:t>
-            </a:r>
-            <a:r>
-              <a:rPr lang="sk-SK" dirty="0" err="1"/>
-              <a:t>Adaptation</a:t>
-            </a:r>
-            <a:endParaRPr lang="en-GB" dirty="0"/>
+              <a:rPr lang="en-GB" dirty="0"/>
+              <a:t>Domain Adaptation</a:t>
+            </a:r>
           </a:p>
         </p:txBody>
       </p:sp>
@@ -3132,89 +3802,15 @@
               <a:t> </a:t>
             </a:r>
             <a:r>
-              <a:rPr lang="sk-SK" dirty="0" err="1"/>
-              <a:t>knowledge</a:t>
-            </a:r>
-            <a:r>
-              <a:rPr lang="sk-SK" dirty="0"/>
-              <a:t> </a:t>
-            </a:r>
-            <a:r>
-              <a:rPr lang="sk-SK" dirty="0" err="1"/>
-              <a:t>from</a:t>
-            </a:r>
-            <a:r>
-              <a:rPr lang="sk-SK" dirty="0"/>
-              <a:t> </a:t>
-            </a:r>
-            <a:r>
-              <a:rPr lang="sk-SK" dirty="0" err="1"/>
-              <a:t>source</a:t>
-            </a:r>
-            <a:r>
-              <a:rPr lang="sk-SK" dirty="0"/>
-              <a:t> </a:t>
-            </a:r>
-            <a:r>
-              <a:rPr lang="sk-SK" dirty="0" err="1"/>
-              <a:t>domain</a:t>
-            </a:r>
-            <a:endParaRPr lang="sk-SK" dirty="0"/>
-          </a:p>
-          <a:p>
-            <a:r>
-              <a:rPr lang="sk-SK" dirty="0" err="1"/>
-              <a:t>Useful</a:t>
-            </a:r>
-            <a:r>
-              <a:rPr lang="sk-SK" dirty="0"/>
-              <a:t> </a:t>
-            </a:r>
-            <a:r>
-              <a:rPr lang="sk-SK" dirty="0" err="1"/>
-              <a:t>when</a:t>
-            </a:r>
-            <a:r>
-              <a:rPr lang="sk-SK" dirty="0"/>
-              <a:t> </a:t>
-            </a:r>
-            <a:r>
-              <a:rPr lang="sk-SK" dirty="0" err="1"/>
-              <a:t>target</a:t>
-            </a:r>
-            <a:r>
-              <a:rPr lang="sk-SK" dirty="0"/>
-              <a:t> </a:t>
-            </a:r>
-            <a:r>
-              <a:rPr lang="sk-SK" dirty="0" err="1"/>
-              <a:t>domain</a:t>
-            </a:r>
-            <a:r>
-              <a:rPr lang="sk-SK" dirty="0"/>
-              <a:t> has </a:t>
-            </a:r>
-            <a:r>
-              <a:rPr lang="sk-SK" dirty="0" err="1"/>
-              <a:t>only</a:t>
-            </a:r>
-            <a:r>
-              <a:rPr lang="sk-SK" dirty="0"/>
-              <a:t> </a:t>
-            </a:r>
-            <a:r>
-              <a:rPr lang="sk-SK" dirty="0" err="1"/>
-              <a:t>unlabeled</a:t>
-            </a:r>
-            <a:r>
-              <a:rPr lang="sk-SK" dirty="0"/>
-              <a:t> </a:t>
-            </a:r>
-            <a:r>
-              <a:rPr lang="sk-SK" dirty="0" err="1"/>
-              <a:t>data</a:t>
-            </a:r>
-            <a:endParaRPr lang="sk-SK" dirty="0"/>
+              <a:rPr lang="en-GB" dirty="0"/>
+              <a:t>knowledge from source domain</a:t>
+            </a:r>
+          </a:p>
+          <a:p>
+            <a:r>
+              <a:rPr lang="en-GB" dirty="0"/>
+              <a:t>Useful when target domain has only unlabelled data</a:t>
+            </a:r>
           </a:p>
           <a:p>
             <a:endParaRPr lang="en-GB" dirty="0"/>
@@ -3273,34 +3869,9 @@
           <a:lstStyle/>
           <a:p>
             <a:r>
-              <a:rPr lang="sk-SK" dirty="0" err="1"/>
-              <a:t>Common</a:t>
-            </a:r>
-            <a:r>
-              <a:rPr lang="sk-SK" dirty="0"/>
-              <a:t> </a:t>
-            </a:r>
-            <a:r>
-              <a:rPr lang="sk-SK" dirty="0" err="1"/>
-              <a:t>assumtions</a:t>
-            </a:r>
-            <a:r>
-              <a:rPr lang="sk-SK" dirty="0"/>
-              <a:t> of </a:t>
-            </a:r>
-            <a:r>
-              <a:rPr lang="sk-SK" dirty="0" err="1"/>
-              <a:t>domain</a:t>
-            </a:r>
-            <a:r>
-              <a:rPr lang="sk-SK" dirty="0"/>
-              <a:t> </a:t>
-            </a:r>
-            <a:r>
-              <a:rPr lang="sk-SK" dirty="0" err="1"/>
-              <a:t>adaptation</a:t>
-            </a:r>
-            <a:endParaRPr lang="en-GB" dirty="0"/>
+              <a:rPr lang="en-GB" dirty="0"/>
+              <a:t>Common assumptions of domain adaptation</a:t>
+            </a:r>
           </a:p>
         </p:txBody>
       </p:sp>
@@ -3326,97 +3897,15 @@
           <a:lstStyle/>
           <a:p>
             <a:r>
-              <a:rPr lang="sk-SK" dirty="0" err="1"/>
-              <a:t>Source</a:t>
-            </a:r>
-            <a:r>
-              <a:rPr lang="sk-SK" dirty="0"/>
-              <a:t> and </a:t>
-            </a:r>
-            <a:r>
-              <a:rPr lang="sk-SK" dirty="0" err="1"/>
-              <a:t>target</a:t>
-            </a:r>
-            <a:r>
-              <a:rPr lang="sk-SK" dirty="0"/>
-              <a:t> </a:t>
-            </a:r>
-            <a:r>
-              <a:rPr lang="sk-SK" dirty="0" err="1"/>
-              <a:t>domain</a:t>
-            </a:r>
-            <a:r>
-              <a:rPr lang="sk-SK" dirty="0"/>
-              <a:t> </a:t>
-            </a:r>
-            <a:r>
-              <a:rPr lang="sk-SK" dirty="0" err="1"/>
-              <a:t>differ</a:t>
-            </a:r>
-            <a:r>
-              <a:rPr lang="sk-SK" dirty="0"/>
-              <a:t> </a:t>
-            </a:r>
-            <a:r>
-              <a:rPr lang="sk-SK" dirty="0" err="1"/>
-              <a:t>only</a:t>
-            </a:r>
-            <a:r>
-              <a:rPr lang="sk-SK" dirty="0"/>
-              <a:t> in </a:t>
-            </a:r>
-            <a:r>
-              <a:rPr lang="sk-SK" dirty="0" err="1"/>
-              <a:t>domain</a:t>
-            </a:r>
-            <a:endParaRPr lang="sk-SK" dirty="0"/>
-          </a:p>
-          <a:p>
-            <a:r>
-              <a:rPr lang="sk-SK" dirty="0" err="1"/>
-              <a:t>There</a:t>
-            </a:r>
-            <a:r>
-              <a:rPr lang="sk-SK" dirty="0"/>
-              <a:t> </a:t>
-            </a:r>
-            <a:r>
-              <a:rPr lang="sk-SK" dirty="0" err="1"/>
-              <a:t>exists</a:t>
-            </a:r>
-            <a:r>
-              <a:rPr lang="sk-SK" dirty="0"/>
-              <a:t> a single </a:t>
-            </a:r>
-            <a:r>
-              <a:rPr lang="sk-SK" dirty="0" err="1"/>
-              <a:t>hypothesis</a:t>
-            </a:r>
-            <a:r>
-              <a:rPr lang="sk-SK" dirty="0"/>
-              <a:t> </a:t>
-            </a:r>
-            <a:r>
-              <a:rPr lang="sk-SK" dirty="0" err="1"/>
-              <a:t>with</a:t>
-            </a:r>
-            <a:r>
-              <a:rPr lang="sk-SK" dirty="0"/>
-              <a:t> </a:t>
-            </a:r>
-            <a:r>
-              <a:rPr lang="sk-SK" dirty="0" err="1"/>
-              <a:t>low</a:t>
-            </a:r>
-            <a:r>
-              <a:rPr lang="sk-SK" dirty="0"/>
-              <a:t> </a:t>
-            </a:r>
-            <a:r>
-              <a:rPr lang="sk-SK" dirty="0" err="1"/>
-              <a:t>error</a:t>
-            </a:r>
-            <a:endParaRPr lang="en-GB" dirty="0"/>
+              <a:rPr lang="en-GB" dirty="0"/>
+              <a:t>Source and target domain differ only in domain</a:t>
+            </a:r>
+          </a:p>
+          <a:p>
+            <a:r>
+              <a:rPr lang="en-GB" dirty="0"/>
+              <a:t>There exists a single hypothesis with low error</a:t>
+            </a:r>
           </a:p>
         </p:txBody>
       </p:sp>
@@ -3895,7 +4384,10 @@
           <a:bodyPr/>
           <a:lstStyle/>
           <a:p>
-            <a:endParaRPr lang="en-GB" dirty="0"/>
+            <a:r>
+              <a:rPr lang="en-GB" dirty="0"/>
+              <a:t>Domain adaptation approaches</a:t>
+            </a:r>
           </a:p>
         </p:txBody>
       </p:sp>
@@ -3920,7 +4412,22 @@
           <a:bodyPr/>
           <a:lstStyle/>
           <a:p>
-            <a:endParaRPr lang="en-GB"/>
+            <a:r>
+              <a:rPr lang="en-GB" dirty="0"/>
+              <a:t>Importance sampling</a:t>
+            </a:r>
+          </a:p>
+          <a:p>
+            <a:r>
+              <a:rPr lang="en-GB" dirty="0"/>
+              <a:t>Feature alignment</a:t>
+            </a:r>
+          </a:p>
+          <a:p>
+            <a:r>
+              <a:rPr lang="en-GB" dirty="0"/>
+              <a:t>Domain translation</a:t>
+            </a:r>
           </a:p>
         </p:txBody>
       </p:sp>
@@ -3928,6 +4435,711 @@
     <p:extLst>
       <p:ext uri="{BB962C8B-B14F-4D97-AF65-F5344CB8AC3E}">
         <p14:creationId xmlns:p14="http://schemas.microsoft.com/office/powerpoint/2010/main" val="3756522365"/>
+      </p:ext>
+    </p:extLst>
+  </p:cSld>
+  <p:clrMapOvr>
+    <a:masterClrMapping/>
+  </p:clrMapOvr>
+</p:sld>
+</file>
+
+<file path=ppt/slides/slide5.xml><?xml version="1.0" encoding="utf-8"?>
+<p:sld xmlns:a="http://schemas.openxmlformats.org/drawingml/2006/main" xmlns:r="http://schemas.openxmlformats.org/officeDocument/2006/relationships" xmlns:p="http://schemas.openxmlformats.org/presentationml/2006/main">
+  <p:cSld>
+    <p:spTree>
+      <p:nvGrpSpPr>
+        <p:cNvPr id="1" name=""/>
+        <p:cNvGrpSpPr/>
+        <p:nvPr/>
+      </p:nvGrpSpPr>
+      <p:grpSpPr>
+        <a:xfrm>
+          <a:off x="0" y="0"/>
+          <a:ext cx="0" cy="0"/>
+          <a:chOff x="0" y="0"/>
+          <a:chExt cx="0" cy="0"/>
+        </a:xfrm>
+      </p:grpSpPr>
+      <p:sp>
+        <p:nvSpPr>
+          <p:cNvPr id="2" name="Title 1">
+            <a:extLst>
+              <a:ext uri="{FF2B5EF4-FFF2-40B4-BE49-F238E27FC236}">
+                <a16:creationId xmlns:a16="http://schemas.microsoft.com/office/drawing/2014/main" id="{A320537D-A3D6-0EC8-B3C5-6C202A03A1F2}"/>
+              </a:ext>
+            </a:extLst>
+          </p:cNvPr>
+          <p:cNvSpPr>
+            <a:spLocks noGrp="1"/>
+          </p:cNvSpPr>
+          <p:nvPr>
+            <p:ph type="title"/>
+          </p:nvPr>
+        </p:nvSpPr>
+        <p:spPr/>
+        <p:txBody>
+          <a:bodyPr/>
+          <a:lstStyle/>
+          <a:p>
+            <a:r>
+              <a:rPr lang="en-GB" dirty="0"/>
+              <a:t>Importance sampling</a:t>
+            </a:r>
+          </a:p>
+        </p:txBody>
+      </p:sp>
+      <p:sp>
+        <p:nvSpPr>
+          <p:cNvPr id="3" name="Content Placeholder 2">
+            <a:extLst>
+              <a:ext uri="{FF2B5EF4-FFF2-40B4-BE49-F238E27FC236}">
+                <a16:creationId xmlns:a16="http://schemas.microsoft.com/office/drawing/2014/main" id="{3D0BC6B1-837F-616B-02FB-742B3370A8E8}"/>
+              </a:ext>
+            </a:extLst>
+          </p:cNvPr>
+          <p:cNvSpPr>
+            <a:spLocks noGrp="1"/>
+          </p:cNvSpPr>
+          <p:nvPr>
+            <p:ph idx="1"/>
+          </p:nvPr>
+        </p:nvSpPr>
+        <p:spPr/>
+        <p:txBody>
+          <a:bodyPr>
+            <a:normAutofit fontScale="92500" lnSpcReduction="10000"/>
+          </a:bodyPr>
+          <a:lstStyle/>
+          <a:p>
+            <a:r>
+              <a:rPr lang="en-GB" dirty="0"/>
+              <a:t>Simple</a:t>
+            </a:r>
+          </a:p>
+          <a:p>
+            <a:r>
+              <a:rPr lang="en-GB" dirty="0"/>
+              <a:t>Effective</a:t>
+            </a:r>
+          </a:p>
+          <a:p>
+            <a:r>
+              <a:rPr lang="en-GB" dirty="0"/>
+              <a:t>Requires source distribution to cover target</a:t>
+            </a:r>
+          </a:p>
+          <a:p>
+            <a:r>
+              <a:rPr lang="en-GB" dirty="0"/>
+              <a:t>Very specific scenarios</a:t>
+            </a:r>
+          </a:p>
+          <a:p>
+            <a:r>
+              <a:rPr lang="en-GB" dirty="0"/>
+              <a:t>Uses Empirical risk minimization</a:t>
+            </a:r>
+          </a:p>
+          <a:p>
+            <a:endParaRPr lang="en-GB" dirty="0"/>
+          </a:p>
+          <a:p>
+            <a:r>
+              <a:rPr lang="en-GB" dirty="0"/>
+              <a:t>Solution</a:t>
+            </a:r>
+          </a:p>
+          <a:p>
+            <a:pPr lvl="1"/>
+            <a:r>
+              <a:rPr lang="en-GB" dirty="0"/>
+              <a:t>Finding a ratio</a:t>
+            </a:r>
+          </a:p>
+          <a:p>
+            <a:pPr lvl="1"/>
+            <a:r>
+              <a:rPr lang="en-GB" dirty="0"/>
+              <a:t>Reweighing data points</a:t>
+            </a:r>
+          </a:p>
+          <a:p>
+            <a:pPr lvl="2"/>
+            <a:r>
+              <a:rPr lang="en-GB" dirty="0"/>
+              <a:t>Low source, high target -&gt; upweight</a:t>
+            </a:r>
+          </a:p>
+          <a:p>
+            <a:pPr lvl="2"/>
+            <a:r>
+              <a:rPr lang="en-GB" dirty="0"/>
+              <a:t>High source, low target -&gt; </a:t>
+            </a:r>
+            <a:r>
+              <a:rPr lang="en-GB" dirty="0" err="1"/>
+              <a:t>downweight</a:t>
+            </a:r>
+            <a:endParaRPr lang="en-GB" dirty="0"/>
+          </a:p>
+          <a:p>
+            <a:endParaRPr lang="en-GB" dirty="0"/>
+          </a:p>
+        </p:txBody>
+      </p:sp>
+      <p:pic>
+        <p:nvPicPr>
+          <p:cNvPr id="6" name="Picture 5">
+            <a:extLst>
+              <a:ext uri="{FF2B5EF4-FFF2-40B4-BE49-F238E27FC236}">
+                <a16:creationId xmlns:a16="http://schemas.microsoft.com/office/drawing/2014/main" id="{FB1EDF17-147C-B7CF-DBB7-AFEC188160EF}"/>
+              </a:ext>
+            </a:extLst>
+          </p:cNvPr>
+          <p:cNvPicPr>
+            <a:picLocks noChangeAspect="1"/>
+          </p:cNvPicPr>
+          <p:nvPr/>
+        </p:nvPicPr>
+        <p:blipFill>
+          <a:blip r:embed="rId3"/>
+          <a:stretch>
+            <a:fillRect/>
+          </a:stretch>
+        </p:blipFill>
+        <p:spPr>
+          <a:xfrm>
+            <a:off x="7063273" y="3429000"/>
+            <a:ext cx="3949771" cy="2344268"/>
+          </a:xfrm>
+          <a:prstGeom prst="rect">
+            <a:avLst/>
+          </a:prstGeom>
+        </p:spPr>
+      </p:pic>
+    </p:spTree>
+    <p:extLst>
+      <p:ext uri="{BB962C8B-B14F-4D97-AF65-F5344CB8AC3E}">
+        <p14:creationId xmlns:p14="http://schemas.microsoft.com/office/powerpoint/2010/main" val="1820192207"/>
+      </p:ext>
+    </p:extLst>
+  </p:cSld>
+  <p:clrMapOvr>
+    <a:masterClrMapping/>
+  </p:clrMapOvr>
+</p:sld>
+</file>
+
+<file path=ppt/slides/slide6.xml><?xml version="1.0" encoding="utf-8"?>
+<p:sld xmlns:a="http://schemas.openxmlformats.org/drawingml/2006/main" xmlns:r="http://schemas.openxmlformats.org/officeDocument/2006/relationships" xmlns:p="http://schemas.openxmlformats.org/presentationml/2006/main">
+  <p:cSld>
+    <p:spTree>
+      <p:nvGrpSpPr>
+        <p:cNvPr id="1" name=""/>
+        <p:cNvGrpSpPr/>
+        <p:nvPr/>
+      </p:nvGrpSpPr>
+      <p:grpSpPr>
+        <a:xfrm>
+          <a:off x="0" y="0"/>
+          <a:ext cx="0" cy="0"/>
+          <a:chOff x="0" y="0"/>
+          <a:chExt cx="0" cy="0"/>
+        </a:xfrm>
+      </p:grpSpPr>
+      <p:sp>
+        <p:nvSpPr>
+          <p:cNvPr id="2" name="Title 1">
+            <a:extLst>
+              <a:ext uri="{FF2B5EF4-FFF2-40B4-BE49-F238E27FC236}">
+                <a16:creationId xmlns:a16="http://schemas.microsoft.com/office/drawing/2014/main" id="{0FBC3B3F-AC0A-1C8E-AAD7-01DB88BC9872}"/>
+              </a:ext>
+            </a:extLst>
+          </p:cNvPr>
+          <p:cNvSpPr>
+            <a:spLocks noGrp="1"/>
+          </p:cNvSpPr>
+          <p:nvPr>
+            <p:ph type="title"/>
+          </p:nvPr>
+        </p:nvSpPr>
+        <p:spPr/>
+        <p:txBody>
+          <a:bodyPr/>
+          <a:lstStyle/>
+          <a:p>
+            <a:r>
+              <a:rPr lang="sk-SK" dirty="0"/>
+              <a:t>GAN (</a:t>
+            </a:r>
+            <a:r>
+              <a:rPr lang="sk-SK" dirty="0" err="1"/>
+              <a:t>Generative</a:t>
+            </a:r>
+            <a:r>
+              <a:rPr lang="sk-SK" dirty="0"/>
+              <a:t> </a:t>
+            </a:r>
+            <a:r>
+              <a:rPr lang="sk-SK" dirty="0" err="1"/>
+              <a:t>adversarial</a:t>
+            </a:r>
+            <a:r>
+              <a:rPr lang="sk-SK" dirty="0"/>
+              <a:t> </a:t>
+            </a:r>
+            <a:r>
+              <a:rPr lang="sk-SK" dirty="0" err="1"/>
+              <a:t>network</a:t>
+            </a:r>
+            <a:r>
+              <a:rPr lang="sk-SK" dirty="0"/>
+              <a:t>)</a:t>
+            </a:r>
+            <a:endParaRPr lang="en-GB" dirty="0"/>
+          </a:p>
+        </p:txBody>
+      </p:sp>
+      <p:sp>
+        <p:nvSpPr>
+          <p:cNvPr id="3" name="Content Placeholder 2">
+            <a:extLst>
+              <a:ext uri="{FF2B5EF4-FFF2-40B4-BE49-F238E27FC236}">
+                <a16:creationId xmlns:a16="http://schemas.microsoft.com/office/drawing/2014/main" id="{7CFB4FF9-EC37-A2D9-78FC-75135D2A362D}"/>
+              </a:ext>
+            </a:extLst>
+          </p:cNvPr>
+          <p:cNvSpPr>
+            <a:spLocks noGrp="1"/>
+          </p:cNvSpPr>
+          <p:nvPr>
+            <p:ph idx="1"/>
+          </p:nvPr>
+        </p:nvSpPr>
+        <p:spPr/>
+        <p:txBody>
+          <a:bodyPr/>
+          <a:lstStyle/>
+          <a:p>
+            <a:endParaRPr lang="en-GB" dirty="0"/>
+          </a:p>
+        </p:txBody>
+      </p:sp>
+      <p:grpSp>
+        <p:nvGrpSpPr>
+          <p:cNvPr id="10" name="Group 9">
+            <a:extLst>
+              <a:ext uri="{FF2B5EF4-FFF2-40B4-BE49-F238E27FC236}">
+                <a16:creationId xmlns:a16="http://schemas.microsoft.com/office/drawing/2014/main" id="{00C89A3A-2284-FA5A-3CAB-7024C448D105}"/>
+              </a:ext>
+            </a:extLst>
+          </p:cNvPr>
+          <p:cNvGrpSpPr/>
+          <p:nvPr/>
+        </p:nvGrpSpPr>
+        <p:grpSpPr>
+          <a:xfrm>
+            <a:off x="2968298" y="2575958"/>
+            <a:ext cx="5495925" cy="2419350"/>
+            <a:chOff x="6013423" y="2219325"/>
+            <a:chExt cx="5495925" cy="2419350"/>
+          </a:xfrm>
+        </p:grpSpPr>
+        <p:sp>
+          <p:nvSpPr>
+            <p:cNvPr id="8" name="Rectangle 7">
+              <a:extLst>
+                <a:ext uri="{FF2B5EF4-FFF2-40B4-BE49-F238E27FC236}">
+                  <a16:creationId xmlns:a16="http://schemas.microsoft.com/office/drawing/2014/main" id="{ACE87ACD-4F35-3094-F807-1ED77B4A1A99}"/>
+                </a:ext>
+              </a:extLst>
+            </p:cNvPr>
+            <p:cNvSpPr/>
+            <p:nvPr/>
+          </p:nvSpPr>
+          <p:spPr>
+            <a:xfrm>
+              <a:off x="6013423" y="2338906"/>
+              <a:ext cx="5495925" cy="2248678"/>
+            </a:xfrm>
+            <a:prstGeom prst="rect">
+              <a:avLst/>
+            </a:prstGeom>
+          </p:spPr>
+          <p:style>
+            <a:lnRef idx="2">
+              <a:schemeClr val="accent4">
+                <a:shade val="15000"/>
+              </a:schemeClr>
+            </a:lnRef>
+            <a:fillRef idx="1">
+              <a:schemeClr val="accent4"/>
+            </a:fillRef>
+            <a:effectRef idx="0">
+              <a:schemeClr val="accent4"/>
+            </a:effectRef>
+            <a:fontRef idx="minor">
+              <a:schemeClr val="lt1"/>
+            </a:fontRef>
+          </p:style>
+          <p:txBody>
+            <a:bodyPr rtlCol="0" anchor="ctr"/>
+            <a:lstStyle/>
+            <a:p>
+              <a:pPr algn="ctr"/>
+              <a:endParaRPr lang="en-GB"/>
+            </a:p>
+          </p:txBody>
+        </p:sp>
+        <p:pic>
+          <p:nvPicPr>
+            <p:cNvPr id="7" name="Graphic 6">
+              <a:extLst>
+                <a:ext uri="{FF2B5EF4-FFF2-40B4-BE49-F238E27FC236}">
+                  <a16:creationId xmlns:a16="http://schemas.microsoft.com/office/drawing/2014/main" id="{0F07733E-CD6F-8A5D-6CCC-F77A2CCA9CF8}"/>
+                </a:ext>
+              </a:extLst>
+            </p:cNvPr>
+            <p:cNvPicPr>
+              <a:picLocks noChangeAspect="1"/>
+            </p:cNvPicPr>
+            <p:nvPr/>
+          </p:nvPicPr>
+          <p:blipFill>
+            <a:blip r:embed="rId2">
+              <a:extLst>
+                <a:ext uri="{28A0092B-C50C-407E-A947-70E740481C1C}">
+                  <a14:useLocalDpi xmlns:a14="http://schemas.microsoft.com/office/drawing/2010/main" val="0"/>
+                </a:ext>
+                <a:ext uri="{96DAC541-7B7A-43D3-8B79-37D633B846F1}">
+                  <asvg:svgBlip xmlns:asvg="http://schemas.microsoft.com/office/drawing/2016/SVG/main" r:embed="rId3"/>
+                </a:ext>
+              </a:extLst>
+            </a:blip>
+            <a:stretch>
+              <a:fillRect/>
+            </a:stretch>
+          </p:blipFill>
+          <p:spPr>
+            <a:xfrm>
+              <a:off x="6013423" y="2219325"/>
+              <a:ext cx="5495925" cy="2419350"/>
+            </a:xfrm>
+            <a:prstGeom prst="rect">
+              <a:avLst/>
+            </a:prstGeom>
+          </p:spPr>
+        </p:pic>
+      </p:grpSp>
+    </p:spTree>
+    <p:extLst>
+      <p:ext uri="{BB962C8B-B14F-4D97-AF65-F5344CB8AC3E}">
+        <p14:creationId xmlns:p14="http://schemas.microsoft.com/office/powerpoint/2010/main" val="3482750041"/>
+      </p:ext>
+    </p:extLst>
+  </p:cSld>
+  <p:clrMapOvr>
+    <a:masterClrMapping/>
+  </p:clrMapOvr>
+</p:sld>
+</file>
+
+<file path=ppt/slides/slide7.xml><?xml version="1.0" encoding="utf-8"?>
+<p:sld xmlns:a="http://schemas.openxmlformats.org/drawingml/2006/main" xmlns:r="http://schemas.openxmlformats.org/officeDocument/2006/relationships" xmlns:p="http://schemas.openxmlformats.org/presentationml/2006/main">
+  <p:cSld>
+    <p:spTree>
+      <p:nvGrpSpPr>
+        <p:cNvPr id="1" name=""/>
+        <p:cNvGrpSpPr/>
+        <p:nvPr/>
+      </p:nvGrpSpPr>
+      <p:grpSpPr>
+        <a:xfrm>
+          <a:off x="0" y="0"/>
+          <a:ext cx="0" cy="0"/>
+          <a:chOff x="0" y="0"/>
+          <a:chExt cx="0" cy="0"/>
+        </a:xfrm>
+      </p:grpSpPr>
+      <p:sp>
+        <p:nvSpPr>
+          <p:cNvPr id="2" name="Title 1">
+            <a:extLst>
+              <a:ext uri="{FF2B5EF4-FFF2-40B4-BE49-F238E27FC236}">
+                <a16:creationId xmlns:a16="http://schemas.microsoft.com/office/drawing/2014/main" id="{577D5181-A99F-730D-CC1D-0120C54D531D}"/>
+              </a:ext>
+            </a:extLst>
+          </p:cNvPr>
+          <p:cNvSpPr>
+            <a:spLocks noGrp="1"/>
+          </p:cNvSpPr>
+          <p:nvPr>
+            <p:ph type="title"/>
+          </p:nvPr>
+        </p:nvSpPr>
+        <p:spPr/>
+        <p:txBody>
+          <a:bodyPr/>
+          <a:lstStyle/>
+          <a:p>
+            <a:r>
+              <a:rPr lang="en-GB" dirty="0"/>
+              <a:t>Feature alignment </a:t>
+            </a:r>
+          </a:p>
+        </p:txBody>
+      </p:sp>
+      <p:sp>
+        <p:nvSpPr>
+          <p:cNvPr id="3" name="Content Placeholder 2">
+            <a:extLst>
+              <a:ext uri="{FF2B5EF4-FFF2-40B4-BE49-F238E27FC236}">
+                <a16:creationId xmlns:a16="http://schemas.microsoft.com/office/drawing/2014/main" id="{3545A415-E388-E3B5-997F-85FFC7C57A40}"/>
+              </a:ext>
+            </a:extLst>
+          </p:cNvPr>
+          <p:cNvSpPr>
+            <a:spLocks noGrp="1"/>
+          </p:cNvSpPr>
+          <p:nvPr>
+            <p:ph idx="1"/>
+          </p:nvPr>
+        </p:nvSpPr>
+        <p:spPr/>
+        <p:txBody>
+          <a:bodyPr/>
+          <a:lstStyle/>
+          <a:p>
+            <a:r>
+              <a:rPr lang="en-GB" noProof="1"/>
+              <a:t>Still</a:t>
+            </a:r>
+            <a:r>
+              <a:rPr lang="sk-SK" noProof="1"/>
+              <a:t> rather</a:t>
+            </a:r>
+            <a:r>
+              <a:rPr lang="en-GB" noProof="1"/>
+              <a:t> simple</a:t>
+            </a:r>
+            <a:endParaRPr lang="sk-SK" noProof="1"/>
+          </a:p>
+          <a:p>
+            <a:r>
+              <a:rPr lang="sk-SK" noProof="1"/>
+              <a:t>Doesn‘t need source coverage</a:t>
+            </a:r>
+          </a:p>
+          <a:p>
+            <a:r>
+              <a:rPr lang="sk-SK" noProof="1"/>
+              <a:t>Uses adversarial optimization (Domain confusion)</a:t>
+            </a:r>
+          </a:p>
+          <a:p>
+            <a:r>
+              <a:rPr lang="sk-SK" noProof="1"/>
+              <a:t>Matching features at population-level</a:t>
+            </a:r>
+            <a:endParaRPr lang="en-GB" noProof="1"/>
+          </a:p>
+        </p:txBody>
+      </p:sp>
+      <p:pic>
+        <p:nvPicPr>
+          <p:cNvPr id="5" name="Picture 4">
+            <a:extLst>
+              <a:ext uri="{FF2B5EF4-FFF2-40B4-BE49-F238E27FC236}">
+                <a16:creationId xmlns:a16="http://schemas.microsoft.com/office/drawing/2014/main" id="{AAABED9F-8C72-47C2-3175-F34757366E74}"/>
+              </a:ext>
+            </a:extLst>
+          </p:cNvPr>
+          <p:cNvPicPr>
+            <a:picLocks noChangeAspect="1"/>
+          </p:cNvPicPr>
+          <p:nvPr/>
+        </p:nvPicPr>
+        <p:blipFill>
+          <a:blip r:embed="rId3"/>
+          <a:stretch>
+            <a:fillRect/>
+          </a:stretch>
+        </p:blipFill>
+        <p:spPr>
+          <a:xfrm>
+            <a:off x="9032491" y="531845"/>
+            <a:ext cx="3049097" cy="3194292"/>
+          </a:xfrm>
+          <a:prstGeom prst="rect">
+            <a:avLst/>
+          </a:prstGeom>
+        </p:spPr>
+      </p:pic>
+    </p:spTree>
+    <p:extLst>
+      <p:ext uri="{BB962C8B-B14F-4D97-AF65-F5344CB8AC3E}">
+        <p14:creationId xmlns:p14="http://schemas.microsoft.com/office/powerpoint/2010/main" val="1270064877"/>
+      </p:ext>
+    </p:extLst>
+  </p:cSld>
+  <p:clrMapOvr>
+    <a:masterClrMapping/>
+  </p:clrMapOvr>
+</p:sld>
+</file>
+
+<file path=ppt/slides/slide8.xml><?xml version="1.0" encoding="utf-8"?>
+<p:sld xmlns:a="http://schemas.openxmlformats.org/drawingml/2006/main" xmlns:r="http://schemas.openxmlformats.org/officeDocument/2006/relationships" xmlns:p="http://schemas.openxmlformats.org/presentationml/2006/main">
+  <p:cSld>
+    <p:spTree>
+      <p:nvGrpSpPr>
+        <p:cNvPr id="1" name=""/>
+        <p:cNvGrpSpPr/>
+        <p:nvPr/>
+      </p:nvGrpSpPr>
+      <p:grpSpPr>
+        <a:xfrm>
+          <a:off x="0" y="0"/>
+          <a:ext cx="0" cy="0"/>
+          <a:chOff x="0" y="0"/>
+          <a:chExt cx="0" cy="0"/>
+        </a:xfrm>
+      </p:grpSpPr>
+      <p:sp>
+        <p:nvSpPr>
+          <p:cNvPr id="2" name="Title 1">
+            <a:extLst>
+              <a:ext uri="{FF2B5EF4-FFF2-40B4-BE49-F238E27FC236}">
+                <a16:creationId xmlns:a16="http://schemas.microsoft.com/office/drawing/2014/main" id="{8D7A42CD-796F-D5AE-F470-B987A901958A}"/>
+              </a:ext>
+            </a:extLst>
+          </p:cNvPr>
+          <p:cNvSpPr>
+            <a:spLocks noGrp="1"/>
+          </p:cNvSpPr>
+          <p:nvPr>
+            <p:ph type="title"/>
+          </p:nvPr>
+        </p:nvSpPr>
+        <p:spPr/>
+        <p:txBody>
+          <a:bodyPr/>
+          <a:lstStyle/>
+          <a:p>
+            <a:r>
+              <a:rPr lang="en-GB" dirty="0"/>
+              <a:t>Domain translation</a:t>
+            </a:r>
+          </a:p>
+        </p:txBody>
+      </p:sp>
+      <p:sp>
+        <p:nvSpPr>
+          <p:cNvPr id="3" name="Content Placeholder 2">
+            <a:extLst>
+              <a:ext uri="{FF2B5EF4-FFF2-40B4-BE49-F238E27FC236}">
+                <a16:creationId xmlns:a16="http://schemas.microsoft.com/office/drawing/2014/main" id="{97CC5669-76A2-EC13-7916-18DF54D454EB}"/>
+              </a:ext>
+            </a:extLst>
+          </p:cNvPr>
+          <p:cNvSpPr>
+            <a:spLocks noGrp="1"/>
+          </p:cNvSpPr>
+          <p:nvPr>
+            <p:ph idx="1"/>
+          </p:nvPr>
+        </p:nvSpPr>
+        <p:spPr>
+          <a:xfrm>
+            <a:off x="838200" y="1825625"/>
+            <a:ext cx="6299717" cy="4351338"/>
+          </a:xfrm>
+        </p:spPr>
+        <p:txBody>
+          <a:bodyPr/>
+          <a:lstStyle/>
+          <a:p>
+            <a:r>
+              <a:rPr lang="en-GB" dirty="0"/>
+              <a:t>Harder to create</a:t>
+            </a:r>
+          </a:p>
+          <a:p>
+            <a:r>
+              <a:rPr lang="en-GB" dirty="0"/>
+              <a:t>Easier to debug</a:t>
+            </a:r>
+          </a:p>
+          <a:p>
+            <a:r>
+              <a:rPr lang="en-GB" dirty="0"/>
+              <a:t>Uses GANs</a:t>
+            </a:r>
+          </a:p>
+          <a:p>
+            <a:r>
+              <a:rPr lang="en-GB" dirty="0"/>
+              <a:t>Image generators</a:t>
+            </a:r>
+          </a:p>
+          <a:p>
+            <a:r>
+              <a:rPr lang="en-GB" dirty="0"/>
+              <a:t>Trying to create a bijection between generators</a:t>
+            </a:r>
+          </a:p>
+          <a:p>
+            <a:r>
+              <a:rPr lang="en-GB" dirty="0"/>
+              <a:t>Helpful when distributions match</a:t>
+            </a:r>
+          </a:p>
+          <a:p>
+            <a:endParaRPr lang="en-GB" dirty="0"/>
+          </a:p>
+          <a:p>
+            <a:endParaRPr lang="en-GB" dirty="0"/>
+          </a:p>
+          <a:p>
+            <a:endParaRPr lang="en-GB" dirty="0"/>
+          </a:p>
+        </p:txBody>
+      </p:sp>
+      <p:pic>
+        <p:nvPicPr>
+          <p:cNvPr id="5" name="Picture 4">
+            <a:extLst>
+              <a:ext uri="{FF2B5EF4-FFF2-40B4-BE49-F238E27FC236}">
+                <a16:creationId xmlns:a16="http://schemas.microsoft.com/office/drawing/2014/main" id="{F39A9D50-4468-9138-EDF1-13A6D421000C}"/>
+              </a:ext>
+            </a:extLst>
+          </p:cNvPr>
+          <p:cNvPicPr>
+            <a:picLocks noChangeAspect="1"/>
+          </p:cNvPicPr>
+          <p:nvPr/>
+        </p:nvPicPr>
+        <p:blipFill>
+          <a:blip r:embed="rId2"/>
+          <a:stretch>
+            <a:fillRect/>
+          </a:stretch>
+        </p:blipFill>
+        <p:spPr>
+          <a:xfrm>
+            <a:off x="6431354" y="1978090"/>
+            <a:ext cx="5578873" cy="3321697"/>
+          </a:xfrm>
+          <a:prstGeom prst="rect">
+            <a:avLst/>
+          </a:prstGeom>
+        </p:spPr>
+      </p:pic>
+    </p:spTree>
+    <p:extLst>
+      <p:ext uri="{BB962C8B-B14F-4D97-AF65-F5344CB8AC3E}">
+        <p14:creationId xmlns:p14="http://schemas.microsoft.com/office/powerpoint/2010/main" val="3864390396"/>
       </p:ext>
     </p:extLst>
   </p:cSld>
@@ -4196,4 +5408,319 @@
     </a:ext>
   </a:extLst>
 </a:theme>
+</file>
+
+<file path=ppt/theme/theme2.xml><?xml version="1.0" encoding="utf-8"?>
+<a:theme xmlns:a="http://schemas.openxmlformats.org/drawingml/2006/main" name="Office Theme">
+  <a:themeElements>
+    <a:clrScheme name="Office">
+      <a:dk1>
+        <a:sysClr val="windowText" lastClr="000000"/>
+      </a:dk1>
+      <a:lt1>
+        <a:sysClr val="window" lastClr="FFFFFF"/>
+      </a:lt1>
+      <a:dk2>
+        <a:srgbClr val="0E2841"/>
+      </a:dk2>
+      <a:lt2>
+        <a:srgbClr val="E8E8E8"/>
+      </a:lt2>
+      <a:accent1>
+        <a:srgbClr val="156082"/>
+      </a:accent1>
+      <a:accent2>
+        <a:srgbClr val="E97132"/>
+      </a:accent2>
+      <a:accent3>
+        <a:srgbClr val="196B24"/>
+      </a:accent3>
+      <a:accent4>
+        <a:srgbClr val="0F9ED5"/>
+      </a:accent4>
+      <a:accent5>
+        <a:srgbClr val="A02B93"/>
+      </a:accent5>
+      <a:accent6>
+        <a:srgbClr val="4EA72E"/>
+      </a:accent6>
+      <a:hlink>
+        <a:srgbClr val="467886"/>
+      </a:hlink>
+      <a:folHlink>
+        <a:srgbClr val="96607D"/>
+      </a:folHlink>
+    </a:clrScheme>
+    <a:fontScheme name="Office">
+      <a:majorFont>
+        <a:latin typeface="Aptos Display" panose="02110004020202020204"/>
+        <a:ea typeface=""/>
+        <a:cs typeface=""/>
+        <a:font script="Jpan" typeface="游ゴシック Light"/>
+        <a:font script="Hang" typeface="맑은 고딕"/>
+        <a:font script="Hans" typeface="等线 Light"/>
+        <a:font script="Hant" typeface="新細明體"/>
+        <a:font script="Arab" typeface="Times New Roman"/>
+        <a:font script="Hebr" typeface="Times New Roman"/>
+        <a:font script="Thai" typeface="Angsana New"/>
+        <a:font script="Ethi" typeface="Nyala"/>
+        <a:font script="Beng" typeface="Vrinda"/>
+        <a:font script="Gujr" typeface="Shruti"/>
+        <a:font script="Khmr" typeface="MoolBoran"/>
+        <a:font script="Knda" typeface="Tunga"/>
+        <a:font script="Guru" typeface="Raavi"/>
+        <a:font script="Cans" typeface="Euphemia"/>
+        <a:font script="Cher" typeface="Plantagenet Cherokee"/>
+        <a:font script="Yiii" typeface="Microsoft Yi Baiti"/>
+        <a:font script="Tibt" typeface="Microsoft Himalaya"/>
+        <a:font script="Thaa" typeface="MV Boli"/>
+        <a:font script="Deva" typeface="Mangal"/>
+        <a:font script="Telu" typeface="Gautami"/>
+        <a:font script="Taml" typeface="Latha"/>
+        <a:font script="Syrc" typeface="Estrangelo Edessa"/>
+        <a:font script="Orya" typeface="Kalinga"/>
+        <a:font script="Mlym" typeface="Kartika"/>
+        <a:font script="Laoo" typeface="DokChampa"/>
+        <a:font script="Sinh" typeface="Iskoola Pota"/>
+        <a:font script="Mong" typeface="Mongolian Baiti"/>
+        <a:font script="Viet" typeface="Times New Roman"/>
+        <a:font script="Uigh" typeface="Microsoft Uighur"/>
+        <a:font script="Geor" typeface="Sylfaen"/>
+        <a:font script="Armn" typeface="Arial"/>
+        <a:font script="Bugi" typeface="Leelawadee UI"/>
+        <a:font script="Bopo" typeface="Microsoft JhengHei"/>
+        <a:font script="Java" typeface="Javanese Text"/>
+        <a:font script="Lisu" typeface="Segoe UI"/>
+        <a:font script="Mymr" typeface="Myanmar Text"/>
+        <a:font script="Nkoo" typeface="Ebrima"/>
+        <a:font script="Olck" typeface="Nirmala UI"/>
+        <a:font script="Osma" typeface="Ebrima"/>
+        <a:font script="Phag" typeface="Phagspa"/>
+        <a:font script="Syrn" typeface="Estrangelo Edessa"/>
+        <a:font script="Syrj" typeface="Estrangelo Edessa"/>
+        <a:font script="Syre" typeface="Estrangelo Edessa"/>
+        <a:font script="Sora" typeface="Nirmala UI"/>
+        <a:font script="Tale" typeface="Microsoft Tai Le"/>
+        <a:font script="Talu" typeface="Microsoft New Tai Lue"/>
+        <a:font script="Tfng" typeface="Ebrima"/>
+      </a:majorFont>
+      <a:minorFont>
+        <a:latin typeface="Aptos" panose="02110004020202020204"/>
+        <a:ea typeface=""/>
+        <a:cs typeface=""/>
+        <a:font script="Jpan" typeface="游ゴシック"/>
+        <a:font script="Hang" typeface="맑은 고딕"/>
+        <a:font script="Hans" typeface="等线"/>
+        <a:font script="Hant" typeface="新細明體"/>
+        <a:font script="Arab" typeface="Arial"/>
+        <a:font script="Hebr" typeface="Arial"/>
+        <a:font script="Thai" typeface="Cordia New"/>
+        <a:font script="Ethi" typeface="Nyala"/>
+        <a:font script="Beng" typeface="Vrinda"/>
+        <a:font script="Gujr" typeface="Shruti"/>
+        <a:font script="Khmr" typeface="DaunPenh"/>
+        <a:font script="Knda" typeface="Tunga"/>
+        <a:font script="Guru" typeface="Raavi"/>
+        <a:font script="Cans" typeface="Euphemia"/>
+        <a:font script="Cher" typeface="Plantagenet Cherokee"/>
+        <a:font script="Yiii" typeface="Microsoft Yi Baiti"/>
+        <a:font script="Tibt" typeface="Microsoft Himalaya"/>
+        <a:font script="Thaa" typeface="MV Boli"/>
+        <a:font script="Deva" typeface="Mangal"/>
+        <a:font script="Telu" typeface="Gautami"/>
+        <a:font script="Taml" typeface="Latha"/>
+        <a:font script="Syrc" typeface="Estrangelo Edessa"/>
+        <a:font script="Orya" typeface="Kalinga"/>
+        <a:font script="Mlym" typeface="Kartika"/>
+        <a:font script="Laoo" typeface="DokChampa"/>
+        <a:font script="Sinh" typeface="Iskoola Pota"/>
+        <a:font script="Mong" typeface="Mongolian Baiti"/>
+        <a:font script="Viet" typeface="Arial"/>
+        <a:font script="Uigh" typeface="Microsoft Uighur"/>
+        <a:font script="Geor" typeface="Sylfaen"/>
+        <a:font script="Armn" typeface="Arial"/>
+        <a:font script="Bugi" typeface="Leelawadee UI"/>
+        <a:font script="Bopo" typeface="Microsoft JhengHei"/>
+        <a:font script="Java" typeface="Javanese Text"/>
+        <a:font script="Lisu" typeface="Segoe UI"/>
+        <a:font script="Mymr" typeface="Myanmar Text"/>
+        <a:font script="Nkoo" typeface="Ebrima"/>
+        <a:font script="Olck" typeface="Nirmala UI"/>
+        <a:font script="Osma" typeface="Ebrima"/>
+        <a:font script="Phag" typeface="Phagspa"/>
+        <a:font script="Syrn" typeface="Estrangelo Edessa"/>
+        <a:font script="Syrj" typeface="Estrangelo Edessa"/>
+        <a:font script="Syre" typeface="Estrangelo Edessa"/>
+        <a:font script="Sora" typeface="Nirmala UI"/>
+        <a:font script="Tale" typeface="Microsoft Tai Le"/>
+        <a:font script="Talu" typeface="Microsoft New Tai Lue"/>
+        <a:font script="Tfng" typeface="Ebrima"/>
+      </a:minorFont>
+    </a:fontScheme>
+    <a:fmtScheme name="Office">
+      <a:fillStyleLst>
+        <a:solidFill>
+          <a:schemeClr val="phClr"/>
+        </a:solidFill>
+        <a:gradFill rotWithShape="1">
+          <a:gsLst>
+            <a:gs pos="0">
+              <a:schemeClr val="phClr">
+                <a:lumMod val="110000"/>
+                <a:satMod val="105000"/>
+                <a:tint val="67000"/>
+              </a:schemeClr>
+            </a:gs>
+            <a:gs pos="50000">
+              <a:schemeClr val="phClr">
+                <a:lumMod val="105000"/>
+                <a:satMod val="103000"/>
+                <a:tint val="73000"/>
+              </a:schemeClr>
+            </a:gs>
+            <a:gs pos="100000">
+              <a:schemeClr val="phClr">
+                <a:lumMod val="105000"/>
+                <a:satMod val="109000"/>
+                <a:tint val="81000"/>
+              </a:schemeClr>
+            </a:gs>
+          </a:gsLst>
+          <a:lin ang="5400000" scaled="0"/>
+        </a:gradFill>
+        <a:gradFill rotWithShape="1">
+          <a:gsLst>
+            <a:gs pos="0">
+              <a:schemeClr val="phClr">
+                <a:satMod val="103000"/>
+                <a:lumMod val="102000"/>
+                <a:tint val="94000"/>
+              </a:schemeClr>
+            </a:gs>
+            <a:gs pos="50000">
+              <a:schemeClr val="phClr">
+                <a:satMod val="110000"/>
+                <a:lumMod val="100000"/>
+                <a:shade val="100000"/>
+              </a:schemeClr>
+            </a:gs>
+            <a:gs pos="100000">
+              <a:schemeClr val="phClr">
+                <a:lumMod val="99000"/>
+                <a:satMod val="120000"/>
+                <a:shade val="78000"/>
+              </a:schemeClr>
+            </a:gs>
+          </a:gsLst>
+          <a:lin ang="5400000" scaled="0"/>
+        </a:gradFill>
+      </a:fillStyleLst>
+      <a:lnStyleLst>
+        <a:ln w="12700" cap="flat" cmpd="sng" algn="ctr">
+          <a:solidFill>
+            <a:schemeClr val="phClr"/>
+          </a:solidFill>
+          <a:prstDash val="solid"/>
+          <a:miter lim="800000"/>
+        </a:ln>
+        <a:ln w="19050" cap="flat" cmpd="sng" algn="ctr">
+          <a:solidFill>
+            <a:schemeClr val="phClr"/>
+          </a:solidFill>
+          <a:prstDash val="solid"/>
+          <a:miter lim="800000"/>
+        </a:ln>
+        <a:ln w="25400" cap="flat" cmpd="sng" algn="ctr">
+          <a:solidFill>
+            <a:schemeClr val="phClr"/>
+          </a:solidFill>
+          <a:prstDash val="solid"/>
+          <a:miter lim="800000"/>
+        </a:ln>
+      </a:lnStyleLst>
+      <a:effectStyleLst>
+        <a:effectStyle>
+          <a:effectLst/>
+        </a:effectStyle>
+        <a:effectStyle>
+          <a:effectLst/>
+        </a:effectStyle>
+        <a:effectStyle>
+          <a:effectLst>
+            <a:outerShdw blurRad="57150" dist="19050" dir="5400000" algn="ctr" rotWithShape="0">
+              <a:srgbClr val="000000">
+                <a:alpha val="63000"/>
+              </a:srgbClr>
+            </a:outerShdw>
+          </a:effectLst>
+        </a:effectStyle>
+      </a:effectStyleLst>
+      <a:bgFillStyleLst>
+        <a:solidFill>
+          <a:schemeClr val="phClr"/>
+        </a:solidFill>
+        <a:solidFill>
+          <a:schemeClr val="phClr">
+            <a:tint val="95000"/>
+            <a:satMod val="170000"/>
+          </a:schemeClr>
+        </a:solidFill>
+        <a:gradFill rotWithShape="1">
+          <a:gsLst>
+            <a:gs pos="0">
+              <a:schemeClr val="phClr">
+                <a:tint val="93000"/>
+                <a:satMod val="150000"/>
+                <a:shade val="98000"/>
+                <a:lumMod val="102000"/>
+              </a:schemeClr>
+            </a:gs>
+            <a:gs pos="50000">
+              <a:schemeClr val="phClr">
+                <a:tint val="98000"/>
+                <a:satMod val="130000"/>
+                <a:shade val="90000"/>
+                <a:lumMod val="103000"/>
+              </a:schemeClr>
+            </a:gs>
+            <a:gs pos="100000">
+              <a:schemeClr val="phClr">
+                <a:shade val="63000"/>
+                <a:satMod val="120000"/>
+              </a:schemeClr>
+            </a:gs>
+          </a:gsLst>
+          <a:lin ang="5400000" scaled="0"/>
+        </a:gradFill>
+      </a:bgFillStyleLst>
+    </a:fmtScheme>
+  </a:themeElements>
+  <a:objectDefaults>
+    <a:lnDef>
+      <a:spPr/>
+      <a:bodyPr/>
+      <a:lstStyle/>
+      <a:style>
+        <a:lnRef idx="2">
+          <a:schemeClr val="accent1"/>
+        </a:lnRef>
+        <a:fillRef idx="0">
+          <a:schemeClr val="accent1"/>
+        </a:fillRef>
+        <a:effectRef idx="1">
+          <a:schemeClr val="accent1"/>
+        </a:effectRef>
+        <a:fontRef idx="minor">
+          <a:schemeClr val="tx1"/>
+        </a:fontRef>
+      </a:style>
+    </a:lnDef>
+  </a:objectDefaults>
+  <a:extraClrSchemeLst/>
+  <a:extLst>
+    <a:ext uri="{05A4C25C-085E-4340-85A3-A5531E510DB2}">
+      <thm15:themeFamily xmlns:thm15="http://schemas.microsoft.com/office/thememl/2012/main" name="Office Theme" id="{2E142A2C-CD16-42D6-873A-C26D2A0506FA}" vid="{1BDDFF52-6CD6-40A5-AB3C-68EB2F1E4D0A}"/>
+    </a:ext>
+  </a:extLst>
+</a:theme>
 </file>